--- a/conference20190508.pptx
+++ b/conference20190508.pptx
@@ -16144,7 +16144,7 @@
             <p:ph idx="4294967295"/>
             <p:extLst>
               <p:ext uri="{D42A27DB-BD31-4B8C-83A1-F6EECF244321}">
-                <p14:modId xmlns:p14="http://schemas.microsoft.com/office/powerpoint/2010/main" val="622387190"/>
+                <p14:modId xmlns:p14="http://schemas.microsoft.com/office/powerpoint/2010/main" val="575336913"/>
               </p:ext>
             </p:extLst>
           </p:nvPr>
@@ -16715,7 +16715,7 @@
                           <a:ea typeface="+mn-ea"/>
                           <a:cs typeface="+mn-cs"/>
                         </a:rPr>
-                        <a:t>製作介面</a:t>
+                        <a:t>製作前端</a:t>
                       </a:r>
                       <a:endParaRPr lang="zh-TW" altLang="en-US" sz="4000" b="0" kern="1200" dirty="0">
                         <a:solidFill>
@@ -16735,6 +16735,17 @@
                     <a:lstStyle/>
                     <a:p>
                       <a:pPr marL="0" algn="l" defTabSz="914400" rtl="0" eaLnBrk="1" latinLnBrk="0" hangingPunct="1"/>
+                      <a:r>
+                        <a:rPr lang="zh-TW" altLang="en-US" sz="4000" b="0" kern="1200" dirty="0" smtClean="0">
+                          <a:solidFill>
+                            <a:schemeClr val="tx1"/>
+                          </a:solidFill>
+                          <a:latin typeface="+mj-lt"/>
+                          <a:ea typeface="+mn-ea"/>
+                          <a:cs typeface="+mn-cs"/>
+                        </a:rPr>
+                        <a:t>製作前端</a:t>
+                      </a:r>
                       <a:endParaRPr lang="zh-TW" altLang="en-US" sz="4000" b="0" kern="1200" dirty="0">
                         <a:solidFill>
                           <a:schemeClr val="tx1"/>
@@ -16814,7 +16825,7 @@
         <p:spPr>
           <a:xfrm>
             <a:off x="1386348" y="1170039"/>
-            <a:ext cx="8967020" cy="3046988"/>
+            <a:ext cx="8967020" cy="3539430"/>
           </a:xfrm>
           <a:prstGeom prst="rect">
             <a:avLst/>
@@ -16832,14 +16843,21 @@
                 <a:latin typeface="微軟正黑體" panose="020B0604030504040204" pitchFamily="34" charset="-120"/>
                 <a:ea typeface="微軟正黑體" panose="020B0604030504040204" pitchFamily="34" charset="-120"/>
               </a:rPr>
-              <a:t>INDEX</a:t>
+              <a:t>HOME</a:t>
             </a:r>
             <a:r>
               <a:rPr lang="zh-TW" altLang="en-US" sz="3200" dirty="0" smtClean="0">
                 <a:latin typeface="微軟正黑體" panose="020B0604030504040204" pitchFamily="34" charset="-120"/>
                 <a:ea typeface="微軟正黑體" panose="020B0604030504040204" pitchFamily="34" charset="-120"/>
               </a:rPr>
-              <a:t>設計完成</a:t>
+              <a:t>設計</a:t>
+            </a:r>
+            <a:r>
+              <a:rPr lang="zh-TW" altLang="en-US" sz="3200" dirty="0" smtClean="0">
+                <a:latin typeface="微軟正黑體" panose="020B0604030504040204" pitchFamily="34" charset="-120"/>
+                <a:ea typeface="微軟正黑體" panose="020B0604030504040204" pitchFamily="34" charset="-120"/>
+              </a:rPr>
+              <a:t>完成</a:t>
             </a:r>
             <a:endParaRPr lang="en-US" altLang="zh-TW" sz="3200" dirty="0" smtClean="0">
               <a:latin typeface="微軟正黑體" panose="020B0604030504040204" pitchFamily="34" charset="-120"/>
@@ -16848,18 +16866,18 @@
           </a:p>
           <a:p>
             <a:r>
-              <a:rPr lang="en-US" altLang="zh-TW" sz="3200" dirty="0" smtClean="0">
+              <a:rPr lang="zh-TW" altLang="en-US" sz="3200" dirty="0" smtClean="0">
                 <a:latin typeface="微軟正黑體" panose="020B0604030504040204" pitchFamily="34" charset="-120"/>
                 <a:ea typeface="微軟正黑體" panose="020B0604030504040204" pitchFamily="34" charset="-120"/>
               </a:rPr>
-              <a:t>GAMEFAGE</a:t>
+              <a:t>約會勝地設計</a:t>
             </a:r>
             <a:r>
               <a:rPr lang="zh-TW" altLang="en-US" sz="3200" dirty="0" smtClean="0">
                 <a:latin typeface="微軟正黑體" panose="020B0604030504040204" pitchFamily="34" charset="-120"/>
                 <a:ea typeface="微軟正黑體" panose="020B0604030504040204" pitchFamily="34" charset="-120"/>
               </a:rPr>
-              <a:t>設計完成</a:t>
+              <a:t>完成</a:t>
             </a:r>
             <a:endParaRPr lang="en-US" altLang="zh-TW" sz="3200" dirty="0" smtClean="0">
               <a:latin typeface="微軟正黑體" panose="020B0604030504040204" pitchFamily="34" charset="-120"/>
@@ -16868,18 +16886,11 @@
           </a:p>
           <a:p>
             <a:r>
-              <a:rPr lang="en-US" altLang="zh-TW" sz="3200" dirty="0" smtClean="0">
-                <a:latin typeface="微軟正黑體" panose="020B0604030504040204" pitchFamily="34" charset="-120"/>
-                <a:ea typeface="微軟正黑體" panose="020B0604030504040204" pitchFamily="34" charset="-120"/>
-              </a:rPr>
-              <a:t>MAKEFRIENDS</a:t>
-            </a:r>
-            <a:r>
               <a:rPr lang="zh-TW" altLang="en-US" sz="3200" dirty="0" smtClean="0">
                 <a:latin typeface="微軟正黑體" panose="020B0604030504040204" pitchFamily="34" charset="-120"/>
                 <a:ea typeface="微軟正黑體" panose="020B0604030504040204" pitchFamily="34" charset="-120"/>
               </a:rPr>
-              <a:t>設計完成</a:t>
+              <a:t>尋人啟事設計完成</a:t>
             </a:r>
             <a:endParaRPr lang="en-US" altLang="zh-TW" sz="3200" dirty="0" smtClean="0">
               <a:latin typeface="微軟正黑體" panose="020B0604030504040204" pitchFamily="34" charset="-120"/>
@@ -16918,7 +16929,21 @@
                 <a:latin typeface="微軟正黑體" panose="020B0604030504040204" pitchFamily="34" charset="-120"/>
                 <a:ea typeface="微軟正黑體" panose="020B0604030504040204" pitchFamily="34" charset="-120"/>
               </a:rPr>
-              <a:t>、約會勝地、個人介面</a:t>
+              <a:t>、交友守則、</a:t>
+            </a:r>
+            <a:r>
+              <a:rPr lang="zh-TW" altLang="en-US" sz="3200" smtClean="0">
+                <a:latin typeface="微軟正黑體" panose="020B0604030504040204" pitchFamily="34" charset="-120"/>
+                <a:ea typeface="微軟正黑體" panose="020B0604030504040204" pitchFamily="34" charset="-120"/>
+              </a:rPr>
+              <a:t>個人</a:t>
+            </a:r>
+            <a:r>
+              <a:rPr lang="zh-TW" altLang="en-US" sz="3200" smtClean="0">
+                <a:latin typeface="微軟正黑體" panose="020B0604030504040204" pitchFamily="34" charset="-120"/>
+                <a:ea typeface="微軟正黑體" panose="020B0604030504040204" pitchFamily="34" charset="-120"/>
+              </a:rPr>
+              <a:t>介面、活動總表單、聊天室</a:t>
             </a:r>
             <a:endParaRPr lang="zh-TW" altLang="en-US" sz="3200" dirty="0">
               <a:latin typeface="微軟正黑體" panose="020B0604030504040204" pitchFamily="34" charset="-120"/>
